--- a/ppt 16-9/0399.趁此机会进天门.pptx
+++ b/ppt 16-9/0399.趁此机会进天门.pptx
@@ -129,7 +129,7 @@
           <p:cNvPr id="2" name="标题 1">
             <a:extLst>
               <a:ext uri="{FF2B5EF4-FFF2-40B4-BE49-F238E27FC236}">
-                <a16:creationId xmlns:a16="http://schemas.microsoft.com/office/drawing/2014/main" id="{F8BFDA1C-6B8A-40E9-EE92-DA67DE1E91C6}"/>
+                <a16:creationId xmlns:a16="http://schemas.microsoft.com/office/drawing/2014/main" id="{09E222DC-E6C9-1F08-F5DB-11949389ABD0}"/>
               </a:ext>
             </a:extLst>
           </p:cNvPr>
@@ -166,7 +166,7 @@
           <p:cNvPr id="3" name="副标题 2">
             <a:extLst>
               <a:ext uri="{FF2B5EF4-FFF2-40B4-BE49-F238E27FC236}">
-                <a16:creationId xmlns:a16="http://schemas.microsoft.com/office/drawing/2014/main" id="{AEF85016-C07E-2EF7-CCB3-9B4181261816}"/>
+                <a16:creationId xmlns:a16="http://schemas.microsoft.com/office/drawing/2014/main" id="{5F2EA766-6114-10D5-31F1-2817ABDC560D}"/>
               </a:ext>
             </a:extLst>
           </p:cNvPr>
@@ -236,7 +236,7 @@
           <p:cNvPr id="4" name="日期占位符 3">
             <a:extLst>
               <a:ext uri="{FF2B5EF4-FFF2-40B4-BE49-F238E27FC236}">
-                <a16:creationId xmlns:a16="http://schemas.microsoft.com/office/drawing/2014/main" id="{5CB58F3C-4D72-1AEE-E02A-CB806D5D3498}"/>
+                <a16:creationId xmlns:a16="http://schemas.microsoft.com/office/drawing/2014/main" id="{C5112C20-88D3-E62D-8AAC-33D93832667D}"/>
               </a:ext>
             </a:extLst>
           </p:cNvPr>
@@ -252,7 +252,7 @@
           <a:bodyPr/>
           <a:lstStyle/>
           <a:p>
-            <a:fld id="{E954B669-4A9D-4F2D-8ABA-03D866720FE8}" type="datetimeFigureOut">
+            <a:fld id="{E800821E-CF74-4AF9-BE69-AB9D9A93764D}" type="datetimeFigureOut">
               <a:rPr lang="zh-CN" altLang="en-US" smtClean="0"/>
               <a:t>2024/3/10</a:t>
             </a:fld>
@@ -265,7 +265,7 @@
           <p:cNvPr id="5" name="页脚占位符 4">
             <a:extLst>
               <a:ext uri="{FF2B5EF4-FFF2-40B4-BE49-F238E27FC236}">
-                <a16:creationId xmlns:a16="http://schemas.microsoft.com/office/drawing/2014/main" id="{19101590-73AC-1A07-0E02-9A0257C48506}"/>
+                <a16:creationId xmlns:a16="http://schemas.microsoft.com/office/drawing/2014/main" id="{9F12DD8A-7662-5B05-A347-1AEC0C5E9DCD}"/>
               </a:ext>
             </a:extLst>
           </p:cNvPr>
@@ -290,7 +290,7 @@
           <p:cNvPr id="6" name="灯片编号占位符 5">
             <a:extLst>
               <a:ext uri="{FF2B5EF4-FFF2-40B4-BE49-F238E27FC236}">
-                <a16:creationId xmlns:a16="http://schemas.microsoft.com/office/drawing/2014/main" id="{0AE8A1DC-E879-8CB0-3B6D-28BC35DE34E4}"/>
+                <a16:creationId xmlns:a16="http://schemas.microsoft.com/office/drawing/2014/main" id="{D72C8435-8B1A-D7B2-B2A2-CEEF6FB22D02}"/>
               </a:ext>
             </a:extLst>
           </p:cNvPr>
@@ -306,7 +306,7 @@
           <a:bodyPr/>
           <a:lstStyle/>
           <a:p>
-            <a:fld id="{7C1E3CC3-3B61-4A28-9408-3728DF977544}" type="slidenum">
+            <a:fld id="{05DA1F90-09BF-4C7E-9E4B-F7693109E5BD}" type="slidenum">
               <a:rPr lang="zh-CN" altLang="en-US" smtClean="0"/>
               <a:t>‹#›</a:t>
             </a:fld>
@@ -317,7 +317,7 @@
     </p:spTree>
     <p:extLst>
       <p:ext uri="{BB962C8B-B14F-4D97-AF65-F5344CB8AC3E}">
-        <p14:creationId xmlns:p14="http://schemas.microsoft.com/office/powerpoint/2010/main" val="3930093125"/>
+        <p14:creationId xmlns:p14="http://schemas.microsoft.com/office/powerpoint/2010/main" val="2770395778"/>
       </p:ext>
     </p:extLst>
   </p:cSld>
@@ -349,7 +349,7 @@
           <p:cNvPr id="2" name="标题 1">
             <a:extLst>
               <a:ext uri="{FF2B5EF4-FFF2-40B4-BE49-F238E27FC236}">
-                <a16:creationId xmlns:a16="http://schemas.microsoft.com/office/drawing/2014/main" id="{718B234C-103D-4181-8B04-1DC83EAB303F}"/>
+                <a16:creationId xmlns:a16="http://schemas.microsoft.com/office/drawing/2014/main" id="{E785CEC8-3FCF-8B74-8F62-EB50AF0D35AF}"/>
               </a:ext>
             </a:extLst>
           </p:cNvPr>
@@ -377,7 +377,7 @@
           <p:cNvPr id="3" name="竖排文字占位符 2">
             <a:extLst>
               <a:ext uri="{FF2B5EF4-FFF2-40B4-BE49-F238E27FC236}">
-                <a16:creationId xmlns:a16="http://schemas.microsoft.com/office/drawing/2014/main" id="{8E409039-2EFE-93DC-9A8F-62D1A26D1907}"/>
+                <a16:creationId xmlns:a16="http://schemas.microsoft.com/office/drawing/2014/main" id="{595EA106-649B-4031-4615-03BFD8EE31E0}"/>
               </a:ext>
             </a:extLst>
           </p:cNvPr>
@@ -434,7 +434,7 @@
           <p:cNvPr id="4" name="日期占位符 3">
             <a:extLst>
               <a:ext uri="{FF2B5EF4-FFF2-40B4-BE49-F238E27FC236}">
-                <a16:creationId xmlns:a16="http://schemas.microsoft.com/office/drawing/2014/main" id="{7A849F03-36F0-4399-EBC0-B8DB26725433}"/>
+                <a16:creationId xmlns:a16="http://schemas.microsoft.com/office/drawing/2014/main" id="{C20CFAC6-ABB9-D7C7-FD81-4FCB77920652}"/>
               </a:ext>
             </a:extLst>
           </p:cNvPr>
@@ -450,7 +450,7 @@
           <a:bodyPr/>
           <a:lstStyle/>
           <a:p>
-            <a:fld id="{E954B669-4A9D-4F2D-8ABA-03D866720FE8}" type="datetimeFigureOut">
+            <a:fld id="{E800821E-CF74-4AF9-BE69-AB9D9A93764D}" type="datetimeFigureOut">
               <a:rPr lang="zh-CN" altLang="en-US" smtClean="0"/>
               <a:t>2024/3/10</a:t>
             </a:fld>
@@ -463,7 +463,7 @@
           <p:cNvPr id="5" name="页脚占位符 4">
             <a:extLst>
               <a:ext uri="{FF2B5EF4-FFF2-40B4-BE49-F238E27FC236}">
-                <a16:creationId xmlns:a16="http://schemas.microsoft.com/office/drawing/2014/main" id="{46976F00-632C-290D-0833-3C841366DA4D}"/>
+                <a16:creationId xmlns:a16="http://schemas.microsoft.com/office/drawing/2014/main" id="{C229FA1E-DB1E-CD04-764B-AEBF0EE15B77}"/>
               </a:ext>
             </a:extLst>
           </p:cNvPr>
@@ -488,7 +488,7 @@
           <p:cNvPr id="6" name="灯片编号占位符 5">
             <a:extLst>
               <a:ext uri="{FF2B5EF4-FFF2-40B4-BE49-F238E27FC236}">
-                <a16:creationId xmlns:a16="http://schemas.microsoft.com/office/drawing/2014/main" id="{C80C7006-3A58-73B9-AC06-3872BB8C088F}"/>
+                <a16:creationId xmlns:a16="http://schemas.microsoft.com/office/drawing/2014/main" id="{AC91D053-CE68-6E25-693B-C43FB0FE1F9A}"/>
               </a:ext>
             </a:extLst>
           </p:cNvPr>
@@ -504,7 +504,7 @@
           <a:bodyPr/>
           <a:lstStyle/>
           <a:p>
-            <a:fld id="{7C1E3CC3-3B61-4A28-9408-3728DF977544}" type="slidenum">
+            <a:fld id="{05DA1F90-09BF-4C7E-9E4B-F7693109E5BD}" type="slidenum">
               <a:rPr lang="zh-CN" altLang="en-US" smtClean="0"/>
               <a:t>‹#›</a:t>
             </a:fld>
@@ -515,7 +515,7 @@
     </p:spTree>
     <p:extLst>
       <p:ext uri="{BB962C8B-B14F-4D97-AF65-F5344CB8AC3E}">
-        <p14:creationId xmlns:p14="http://schemas.microsoft.com/office/powerpoint/2010/main" val="3265962407"/>
+        <p14:creationId xmlns:p14="http://schemas.microsoft.com/office/powerpoint/2010/main" val="3005136952"/>
       </p:ext>
     </p:extLst>
   </p:cSld>
@@ -547,7 +547,7 @@
           <p:cNvPr id="2" name="竖排标题 1">
             <a:extLst>
               <a:ext uri="{FF2B5EF4-FFF2-40B4-BE49-F238E27FC236}">
-                <a16:creationId xmlns:a16="http://schemas.microsoft.com/office/drawing/2014/main" id="{F8C9D069-549D-F8BB-E72D-F3895E8EBE55}"/>
+                <a16:creationId xmlns:a16="http://schemas.microsoft.com/office/drawing/2014/main" id="{63CEF28E-CC39-2D01-F183-5A52E81896D6}"/>
               </a:ext>
             </a:extLst>
           </p:cNvPr>
@@ -580,7 +580,7 @@
           <p:cNvPr id="3" name="竖排文字占位符 2">
             <a:extLst>
               <a:ext uri="{FF2B5EF4-FFF2-40B4-BE49-F238E27FC236}">
-                <a16:creationId xmlns:a16="http://schemas.microsoft.com/office/drawing/2014/main" id="{C2EFE5E7-C381-B835-B781-1234951B6A69}"/>
+                <a16:creationId xmlns:a16="http://schemas.microsoft.com/office/drawing/2014/main" id="{4393C30F-2D8A-77B0-9540-69D897315706}"/>
               </a:ext>
             </a:extLst>
           </p:cNvPr>
@@ -642,7 +642,7 @@
           <p:cNvPr id="4" name="日期占位符 3">
             <a:extLst>
               <a:ext uri="{FF2B5EF4-FFF2-40B4-BE49-F238E27FC236}">
-                <a16:creationId xmlns:a16="http://schemas.microsoft.com/office/drawing/2014/main" id="{106FE833-7A20-C32A-4351-B346F442EA9B}"/>
+                <a16:creationId xmlns:a16="http://schemas.microsoft.com/office/drawing/2014/main" id="{CDF91AF7-6037-B715-C8E2-9EBE8348AD81}"/>
               </a:ext>
             </a:extLst>
           </p:cNvPr>
@@ -658,7 +658,7 @@
           <a:bodyPr/>
           <a:lstStyle/>
           <a:p>
-            <a:fld id="{E954B669-4A9D-4F2D-8ABA-03D866720FE8}" type="datetimeFigureOut">
+            <a:fld id="{E800821E-CF74-4AF9-BE69-AB9D9A93764D}" type="datetimeFigureOut">
               <a:rPr lang="zh-CN" altLang="en-US" smtClean="0"/>
               <a:t>2024/3/10</a:t>
             </a:fld>
@@ -671,7 +671,7 @@
           <p:cNvPr id="5" name="页脚占位符 4">
             <a:extLst>
               <a:ext uri="{FF2B5EF4-FFF2-40B4-BE49-F238E27FC236}">
-                <a16:creationId xmlns:a16="http://schemas.microsoft.com/office/drawing/2014/main" id="{C70A2143-FD8A-751E-1DE2-C0C3F5FB1FF4}"/>
+                <a16:creationId xmlns:a16="http://schemas.microsoft.com/office/drawing/2014/main" id="{F3205F5F-2701-316F-02A9-090271644CE2}"/>
               </a:ext>
             </a:extLst>
           </p:cNvPr>
@@ -696,7 +696,7 @@
           <p:cNvPr id="6" name="灯片编号占位符 5">
             <a:extLst>
               <a:ext uri="{FF2B5EF4-FFF2-40B4-BE49-F238E27FC236}">
-                <a16:creationId xmlns:a16="http://schemas.microsoft.com/office/drawing/2014/main" id="{01C205AF-523C-1B2A-D2DB-D1230FC30C2E}"/>
+                <a16:creationId xmlns:a16="http://schemas.microsoft.com/office/drawing/2014/main" id="{FDC369D3-B24E-DD35-E1D1-AFBE6AAC67DD}"/>
               </a:ext>
             </a:extLst>
           </p:cNvPr>
@@ -712,7 +712,7 @@
           <a:bodyPr/>
           <a:lstStyle/>
           <a:p>
-            <a:fld id="{7C1E3CC3-3B61-4A28-9408-3728DF977544}" type="slidenum">
+            <a:fld id="{05DA1F90-09BF-4C7E-9E4B-F7693109E5BD}" type="slidenum">
               <a:rPr lang="zh-CN" altLang="en-US" smtClean="0"/>
               <a:t>‹#›</a:t>
             </a:fld>
@@ -723,7 +723,7 @@
     </p:spTree>
     <p:extLst>
       <p:ext uri="{BB962C8B-B14F-4D97-AF65-F5344CB8AC3E}">
-        <p14:creationId xmlns:p14="http://schemas.microsoft.com/office/powerpoint/2010/main" val="4935555"/>
+        <p14:creationId xmlns:p14="http://schemas.microsoft.com/office/powerpoint/2010/main" val="433626453"/>
       </p:ext>
     </p:extLst>
   </p:cSld>
@@ -755,7 +755,7 @@
           <p:cNvPr id="2" name="标题 1">
             <a:extLst>
               <a:ext uri="{FF2B5EF4-FFF2-40B4-BE49-F238E27FC236}">
-                <a16:creationId xmlns:a16="http://schemas.microsoft.com/office/drawing/2014/main" id="{4F006760-4B88-A949-FBEE-3CC245809087}"/>
+                <a16:creationId xmlns:a16="http://schemas.microsoft.com/office/drawing/2014/main" id="{F89626FB-7899-24CA-6A98-0448788067D4}"/>
               </a:ext>
             </a:extLst>
           </p:cNvPr>
@@ -783,7 +783,7 @@
           <p:cNvPr id="3" name="内容占位符 2">
             <a:extLst>
               <a:ext uri="{FF2B5EF4-FFF2-40B4-BE49-F238E27FC236}">
-                <a16:creationId xmlns:a16="http://schemas.microsoft.com/office/drawing/2014/main" id="{F1C47612-8905-4DA5-D320-2849B3BDC933}"/>
+                <a16:creationId xmlns:a16="http://schemas.microsoft.com/office/drawing/2014/main" id="{FCB159D7-0086-53D4-E152-76BDC6BFEF6F}"/>
               </a:ext>
             </a:extLst>
           </p:cNvPr>
@@ -840,7 +840,7 @@
           <p:cNvPr id="4" name="日期占位符 3">
             <a:extLst>
               <a:ext uri="{FF2B5EF4-FFF2-40B4-BE49-F238E27FC236}">
-                <a16:creationId xmlns:a16="http://schemas.microsoft.com/office/drawing/2014/main" id="{95EEDA38-AB2A-69C5-0949-A98BD028F176}"/>
+                <a16:creationId xmlns:a16="http://schemas.microsoft.com/office/drawing/2014/main" id="{35F5624C-48D2-C7B0-7378-7F8394926EAA}"/>
               </a:ext>
             </a:extLst>
           </p:cNvPr>
@@ -856,7 +856,7 @@
           <a:bodyPr/>
           <a:lstStyle/>
           <a:p>
-            <a:fld id="{E954B669-4A9D-4F2D-8ABA-03D866720FE8}" type="datetimeFigureOut">
+            <a:fld id="{E800821E-CF74-4AF9-BE69-AB9D9A93764D}" type="datetimeFigureOut">
               <a:rPr lang="zh-CN" altLang="en-US" smtClean="0"/>
               <a:t>2024/3/10</a:t>
             </a:fld>
@@ -869,7 +869,7 @@
           <p:cNvPr id="5" name="页脚占位符 4">
             <a:extLst>
               <a:ext uri="{FF2B5EF4-FFF2-40B4-BE49-F238E27FC236}">
-                <a16:creationId xmlns:a16="http://schemas.microsoft.com/office/drawing/2014/main" id="{CCFEEF07-1626-CC2D-3CC0-45DB1C723115}"/>
+                <a16:creationId xmlns:a16="http://schemas.microsoft.com/office/drawing/2014/main" id="{13410CF4-920E-26B8-BDBE-6217179CCC03}"/>
               </a:ext>
             </a:extLst>
           </p:cNvPr>
@@ -894,7 +894,7 @@
           <p:cNvPr id="6" name="灯片编号占位符 5">
             <a:extLst>
               <a:ext uri="{FF2B5EF4-FFF2-40B4-BE49-F238E27FC236}">
-                <a16:creationId xmlns:a16="http://schemas.microsoft.com/office/drawing/2014/main" id="{374AB4DE-DADD-72E4-365E-0E89D8B1BED2}"/>
+                <a16:creationId xmlns:a16="http://schemas.microsoft.com/office/drawing/2014/main" id="{BDC88D9C-EBE4-1F11-71E6-012338AB2BB8}"/>
               </a:ext>
             </a:extLst>
           </p:cNvPr>
@@ -910,7 +910,7 @@
           <a:bodyPr/>
           <a:lstStyle/>
           <a:p>
-            <a:fld id="{7C1E3CC3-3B61-4A28-9408-3728DF977544}" type="slidenum">
+            <a:fld id="{05DA1F90-09BF-4C7E-9E4B-F7693109E5BD}" type="slidenum">
               <a:rPr lang="zh-CN" altLang="en-US" smtClean="0"/>
               <a:t>‹#›</a:t>
             </a:fld>
@@ -921,7 +921,7 @@
     </p:spTree>
     <p:extLst>
       <p:ext uri="{BB962C8B-B14F-4D97-AF65-F5344CB8AC3E}">
-        <p14:creationId xmlns:p14="http://schemas.microsoft.com/office/powerpoint/2010/main" val="4034739396"/>
+        <p14:creationId xmlns:p14="http://schemas.microsoft.com/office/powerpoint/2010/main" val="1333129108"/>
       </p:ext>
     </p:extLst>
   </p:cSld>
@@ -953,7 +953,7 @@
           <p:cNvPr id="2" name="标题 1">
             <a:extLst>
               <a:ext uri="{FF2B5EF4-FFF2-40B4-BE49-F238E27FC236}">
-                <a16:creationId xmlns:a16="http://schemas.microsoft.com/office/drawing/2014/main" id="{6A2229DB-BB04-335D-232C-D7F829B85C87}"/>
+                <a16:creationId xmlns:a16="http://schemas.microsoft.com/office/drawing/2014/main" id="{C5D5ABAE-AF43-6505-C0D2-A54C848EFD7E}"/>
               </a:ext>
             </a:extLst>
           </p:cNvPr>
@@ -990,7 +990,7 @@
           <p:cNvPr id="3" name="文本占位符 2">
             <a:extLst>
               <a:ext uri="{FF2B5EF4-FFF2-40B4-BE49-F238E27FC236}">
-                <a16:creationId xmlns:a16="http://schemas.microsoft.com/office/drawing/2014/main" id="{08BD7EC1-0C9E-EA50-4997-E0572AC48FE4}"/>
+                <a16:creationId xmlns:a16="http://schemas.microsoft.com/office/drawing/2014/main" id="{4A89ADAC-0778-CF3B-1162-0BBDFBA932C8}"/>
               </a:ext>
             </a:extLst>
           </p:cNvPr>
@@ -1115,7 +1115,7 @@
           <p:cNvPr id="4" name="日期占位符 3">
             <a:extLst>
               <a:ext uri="{FF2B5EF4-FFF2-40B4-BE49-F238E27FC236}">
-                <a16:creationId xmlns:a16="http://schemas.microsoft.com/office/drawing/2014/main" id="{5DD8EEAF-5200-0E37-5582-C3D9ABF90155}"/>
+                <a16:creationId xmlns:a16="http://schemas.microsoft.com/office/drawing/2014/main" id="{EF83A95C-E32B-2B97-6049-2A730835586D}"/>
               </a:ext>
             </a:extLst>
           </p:cNvPr>
@@ -1131,7 +1131,7 @@
           <a:bodyPr/>
           <a:lstStyle/>
           <a:p>
-            <a:fld id="{E954B669-4A9D-4F2D-8ABA-03D866720FE8}" type="datetimeFigureOut">
+            <a:fld id="{E800821E-CF74-4AF9-BE69-AB9D9A93764D}" type="datetimeFigureOut">
               <a:rPr lang="zh-CN" altLang="en-US" smtClean="0"/>
               <a:t>2024/3/10</a:t>
             </a:fld>
@@ -1144,7 +1144,7 @@
           <p:cNvPr id="5" name="页脚占位符 4">
             <a:extLst>
               <a:ext uri="{FF2B5EF4-FFF2-40B4-BE49-F238E27FC236}">
-                <a16:creationId xmlns:a16="http://schemas.microsoft.com/office/drawing/2014/main" id="{A48A7232-7F9F-641A-649B-AAB254834DD2}"/>
+                <a16:creationId xmlns:a16="http://schemas.microsoft.com/office/drawing/2014/main" id="{7BAB9B50-E421-2A7B-22A7-4385D9150456}"/>
               </a:ext>
             </a:extLst>
           </p:cNvPr>
@@ -1169,7 +1169,7 @@
           <p:cNvPr id="6" name="灯片编号占位符 5">
             <a:extLst>
               <a:ext uri="{FF2B5EF4-FFF2-40B4-BE49-F238E27FC236}">
-                <a16:creationId xmlns:a16="http://schemas.microsoft.com/office/drawing/2014/main" id="{F2B293EA-0ACC-2D26-9673-23E9BEA38256}"/>
+                <a16:creationId xmlns:a16="http://schemas.microsoft.com/office/drawing/2014/main" id="{949E25BB-4982-2C87-21E5-A522D3FE1895}"/>
               </a:ext>
             </a:extLst>
           </p:cNvPr>
@@ -1185,7 +1185,7 @@
           <a:bodyPr/>
           <a:lstStyle/>
           <a:p>
-            <a:fld id="{7C1E3CC3-3B61-4A28-9408-3728DF977544}" type="slidenum">
+            <a:fld id="{05DA1F90-09BF-4C7E-9E4B-F7693109E5BD}" type="slidenum">
               <a:rPr lang="zh-CN" altLang="en-US" smtClean="0"/>
               <a:t>‹#›</a:t>
             </a:fld>
@@ -1196,7 +1196,7 @@
     </p:spTree>
     <p:extLst>
       <p:ext uri="{BB962C8B-B14F-4D97-AF65-F5344CB8AC3E}">
-        <p14:creationId xmlns:p14="http://schemas.microsoft.com/office/powerpoint/2010/main" val="2316576866"/>
+        <p14:creationId xmlns:p14="http://schemas.microsoft.com/office/powerpoint/2010/main" val="3926450207"/>
       </p:ext>
     </p:extLst>
   </p:cSld>
@@ -1228,7 +1228,7 @@
           <p:cNvPr id="2" name="标题 1">
             <a:extLst>
               <a:ext uri="{FF2B5EF4-FFF2-40B4-BE49-F238E27FC236}">
-                <a16:creationId xmlns:a16="http://schemas.microsoft.com/office/drawing/2014/main" id="{36DF4C02-7518-47AF-88A7-61E9CBBA35C3}"/>
+                <a16:creationId xmlns:a16="http://schemas.microsoft.com/office/drawing/2014/main" id="{CB5FFBF2-59E7-7F8C-DD80-4A480283C6FA}"/>
               </a:ext>
             </a:extLst>
           </p:cNvPr>
@@ -1256,7 +1256,7 @@
           <p:cNvPr id="3" name="内容占位符 2">
             <a:extLst>
               <a:ext uri="{FF2B5EF4-FFF2-40B4-BE49-F238E27FC236}">
-                <a16:creationId xmlns:a16="http://schemas.microsoft.com/office/drawing/2014/main" id="{CEC4F9D5-819B-D9EC-6328-5BE71E4F5202}"/>
+                <a16:creationId xmlns:a16="http://schemas.microsoft.com/office/drawing/2014/main" id="{A5A84DFB-4566-29B4-FFC3-8E1A80F7FF20}"/>
               </a:ext>
             </a:extLst>
           </p:cNvPr>
@@ -1318,7 +1318,7 @@
           <p:cNvPr id="4" name="内容占位符 3">
             <a:extLst>
               <a:ext uri="{FF2B5EF4-FFF2-40B4-BE49-F238E27FC236}">
-                <a16:creationId xmlns:a16="http://schemas.microsoft.com/office/drawing/2014/main" id="{1155818D-952D-EFD2-5772-21F326345930}"/>
+                <a16:creationId xmlns:a16="http://schemas.microsoft.com/office/drawing/2014/main" id="{FEBB6513-31B1-41A5-316F-746CA7C80AE0}"/>
               </a:ext>
             </a:extLst>
           </p:cNvPr>
@@ -1380,7 +1380,7 @@
           <p:cNvPr id="5" name="日期占位符 4">
             <a:extLst>
               <a:ext uri="{FF2B5EF4-FFF2-40B4-BE49-F238E27FC236}">
-                <a16:creationId xmlns:a16="http://schemas.microsoft.com/office/drawing/2014/main" id="{37596A91-A608-CF4F-5126-BE1FCC49B75E}"/>
+                <a16:creationId xmlns:a16="http://schemas.microsoft.com/office/drawing/2014/main" id="{BFB30852-7638-805B-D559-7A0CA74CCDD4}"/>
               </a:ext>
             </a:extLst>
           </p:cNvPr>
@@ -1396,7 +1396,7 @@
           <a:bodyPr/>
           <a:lstStyle/>
           <a:p>
-            <a:fld id="{E954B669-4A9D-4F2D-8ABA-03D866720FE8}" type="datetimeFigureOut">
+            <a:fld id="{E800821E-CF74-4AF9-BE69-AB9D9A93764D}" type="datetimeFigureOut">
               <a:rPr lang="zh-CN" altLang="en-US" smtClean="0"/>
               <a:t>2024/3/10</a:t>
             </a:fld>
@@ -1409,7 +1409,7 @@
           <p:cNvPr id="6" name="页脚占位符 5">
             <a:extLst>
               <a:ext uri="{FF2B5EF4-FFF2-40B4-BE49-F238E27FC236}">
-                <a16:creationId xmlns:a16="http://schemas.microsoft.com/office/drawing/2014/main" id="{9DC1C50C-BE3E-F890-3B55-4907863BCDDB}"/>
+                <a16:creationId xmlns:a16="http://schemas.microsoft.com/office/drawing/2014/main" id="{7E86CF47-666B-3FD2-4CE6-DB073498A913}"/>
               </a:ext>
             </a:extLst>
           </p:cNvPr>
@@ -1434,7 +1434,7 @@
           <p:cNvPr id="7" name="灯片编号占位符 6">
             <a:extLst>
               <a:ext uri="{FF2B5EF4-FFF2-40B4-BE49-F238E27FC236}">
-                <a16:creationId xmlns:a16="http://schemas.microsoft.com/office/drawing/2014/main" id="{898476D9-A6C5-2A47-5D4E-3B04E77B0A82}"/>
+                <a16:creationId xmlns:a16="http://schemas.microsoft.com/office/drawing/2014/main" id="{94173A43-3C67-4192-994D-4BFB78DE16F6}"/>
               </a:ext>
             </a:extLst>
           </p:cNvPr>
@@ -1450,7 +1450,7 @@
           <a:bodyPr/>
           <a:lstStyle/>
           <a:p>
-            <a:fld id="{7C1E3CC3-3B61-4A28-9408-3728DF977544}" type="slidenum">
+            <a:fld id="{05DA1F90-09BF-4C7E-9E4B-F7693109E5BD}" type="slidenum">
               <a:rPr lang="zh-CN" altLang="en-US" smtClean="0"/>
               <a:t>‹#›</a:t>
             </a:fld>
@@ -1461,7 +1461,7 @@
     </p:spTree>
     <p:extLst>
       <p:ext uri="{BB962C8B-B14F-4D97-AF65-F5344CB8AC3E}">
-        <p14:creationId xmlns:p14="http://schemas.microsoft.com/office/powerpoint/2010/main" val="768960745"/>
+        <p14:creationId xmlns:p14="http://schemas.microsoft.com/office/powerpoint/2010/main" val="91821393"/>
       </p:ext>
     </p:extLst>
   </p:cSld>
@@ -1493,7 +1493,7 @@
           <p:cNvPr id="2" name="标题 1">
             <a:extLst>
               <a:ext uri="{FF2B5EF4-FFF2-40B4-BE49-F238E27FC236}">
-                <a16:creationId xmlns:a16="http://schemas.microsoft.com/office/drawing/2014/main" id="{43483978-F162-A74A-B0F4-EE3F7469EE6D}"/>
+                <a16:creationId xmlns:a16="http://schemas.microsoft.com/office/drawing/2014/main" id="{D2AFB4B0-1C6F-915D-BBE4-522DC8F7271D}"/>
               </a:ext>
             </a:extLst>
           </p:cNvPr>
@@ -1526,7 +1526,7 @@
           <p:cNvPr id="3" name="文本占位符 2">
             <a:extLst>
               <a:ext uri="{FF2B5EF4-FFF2-40B4-BE49-F238E27FC236}">
-                <a16:creationId xmlns:a16="http://schemas.microsoft.com/office/drawing/2014/main" id="{6FC8172F-27A2-6CB7-CA8A-8DBCA2B8F1B5}"/>
+                <a16:creationId xmlns:a16="http://schemas.microsoft.com/office/drawing/2014/main" id="{96DEBCBC-F709-ADAA-6DDF-2D884F6B01ED}"/>
               </a:ext>
             </a:extLst>
           </p:cNvPr>
@@ -1597,7 +1597,7 @@
           <p:cNvPr id="4" name="内容占位符 3">
             <a:extLst>
               <a:ext uri="{FF2B5EF4-FFF2-40B4-BE49-F238E27FC236}">
-                <a16:creationId xmlns:a16="http://schemas.microsoft.com/office/drawing/2014/main" id="{44CB57C9-F34F-C8E5-AADF-AFDBDE7CEF44}"/>
+                <a16:creationId xmlns:a16="http://schemas.microsoft.com/office/drawing/2014/main" id="{48DD35E0-953E-2A1E-BD74-2289D9F53B03}"/>
               </a:ext>
             </a:extLst>
           </p:cNvPr>
@@ -1659,7 +1659,7 @@
           <p:cNvPr id="5" name="文本占位符 4">
             <a:extLst>
               <a:ext uri="{FF2B5EF4-FFF2-40B4-BE49-F238E27FC236}">
-                <a16:creationId xmlns:a16="http://schemas.microsoft.com/office/drawing/2014/main" id="{711BC80A-D3FE-A410-7B0E-6F12E912147E}"/>
+                <a16:creationId xmlns:a16="http://schemas.microsoft.com/office/drawing/2014/main" id="{8B1CEEA2-A598-1528-9EB6-21D42E71C8F0}"/>
               </a:ext>
             </a:extLst>
           </p:cNvPr>
@@ -1730,7 +1730,7 @@
           <p:cNvPr id="6" name="内容占位符 5">
             <a:extLst>
               <a:ext uri="{FF2B5EF4-FFF2-40B4-BE49-F238E27FC236}">
-                <a16:creationId xmlns:a16="http://schemas.microsoft.com/office/drawing/2014/main" id="{48CD964F-A186-FD7C-BCE1-BF19917AA920}"/>
+                <a16:creationId xmlns:a16="http://schemas.microsoft.com/office/drawing/2014/main" id="{5932AA44-3FAA-699F-EDB7-E60BD7608703}"/>
               </a:ext>
             </a:extLst>
           </p:cNvPr>
@@ -1792,7 +1792,7 @@
           <p:cNvPr id="7" name="日期占位符 6">
             <a:extLst>
               <a:ext uri="{FF2B5EF4-FFF2-40B4-BE49-F238E27FC236}">
-                <a16:creationId xmlns:a16="http://schemas.microsoft.com/office/drawing/2014/main" id="{C35F5738-ED48-E3C9-9FA8-5BDC50FBDE78}"/>
+                <a16:creationId xmlns:a16="http://schemas.microsoft.com/office/drawing/2014/main" id="{1F7A3850-62B2-7FAC-43E0-787E135E85E6}"/>
               </a:ext>
             </a:extLst>
           </p:cNvPr>
@@ -1808,7 +1808,7 @@
           <a:bodyPr/>
           <a:lstStyle/>
           <a:p>
-            <a:fld id="{E954B669-4A9D-4F2D-8ABA-03D866720FE8}" type="datetimeFigureOut">
+            <a:fld id="{E800821E-CF74-4AF9-BE69-AB9D9A93764D}" type="datetimeFigureOut">
               <a:rPr lang="zh-CN" altLang="en-US" smtClean="0"/>
               <a:t>2024/3/10</a:t>
             </a:fld>
@@ -1821,7 +1821,7 @@
           <p:cNvPr id="8" name="页脚占位符 7">
             <a:extLst>
               <a:ext uri="{FF2B5EF4-FFF2-40B4-BE49-F238E27FC236}">
-                <a16:creationId xmlns:a16="http://schemas.microsoft.com/office/drawing/2014/main" id="{84C9426C-B75D-1C21-8051-6DE549FFF2D7}"/>
+                <a16:creationId xmlns:a16="http://schemas.microsoft.com/office/drawing/2014/main" id="{0001490D-D414-C632-695B-DE9B9DE4227F}"/>
               </a:ext>
             </a:extLst>
           </p:cNvPr>
@@ -1846,7 +1846,7 @@
           <p:cNvPr id="9" name="灯片编号占位符 8">
             <a:extLst>
               <a:ext uri="{FF2B5EF4-FFF2-40B4-BE49-F238E27FC236}">
-                <a16:creationId xmlns:a16="http://schemas.microsoft.com/office/drawing/2014/main" id="{557966F2-0431-DA24-F2B8-0802EFE1E83F}"/>
+                <a16:creationId xmlns:a16="http://schemas.microsoft.com/office/drawing/2014/main" id="{7062E298-A502-E64C-3DE8-EE6FC89D6DD9}"/>
               </a:ext>
             </a:extLst>
           </p:cNvPr>
@@ -1862,7 +1862,7 @@
           <a:bodyPr/>
           <a:lstStyle/>
           <a:p>
-            <a:fld id="{7C1E3CC3-3B61-4A28-9408-3728DF977544}" type="slidenum">
+            <a:fld id="{05DA1F90-09BF-4C7E-9E4B-F7693109E5BD}" type="slidenum">
               <a:rPr lang="zh-CN" altLang="en-US" smtClean="0"/>
               <a:t>‹#›</a:t>
             </a:fld>
@@ -1873,7 +1873,7 @@
     </p:spTree>
     <p:extLst>
       <p:ext uri="{BB962C8B-B14F-4D97-AF65-F5344CB8AC3E}">
-        <p14:creationId xmlns:p14="http://schemas.microsoft.com/office/powerpoint/2010/main" val="635619477"/>
+        <p14:creationId xmlns:p14="http://schemas.microsoft.com/office/powerpoint/2010/main" val="875939047"/>
       </p:ext>
     </p:extLst>
   </p:cSld>
@@ -1905,7 +1905,7 @@
           <p:cNvPr id="2" name="标题 1">
             <a:extLst>
               <a:ext uri="{FF2B5EF4-FFF2-40B4-BE49-F238E27FC236}">
-                <a16:creationId xmlns:a16="http://schemas.microsoft.com/office/drawing/2014/main" id="{C502E7B2-7298-FE04-1808-529BC54FAECD}"/>
+                <a16:creationId xmlns:a16="http://schemas.microsoft.com/office/drawing/2014/main" id="{3339DCDF-BD8B-EA26-8D01-E7EBC5B426C4}"/>
               </a:ext>
             </a:extLst>
           </p:cNvPr>
@@ -1933,7 +1933,7 @@
           <p:cNvPr id="3" name="日期占位符 2">
             <a:extLst>
               <a:ext uri="{FF2B5EF4-FFF2-40B4-BE49-F238E27FC236}">
-                <a16:creationId xmlns:a16="http://schemas.microsoft.com/office/drawing/2014/main" id="{9F3F1909-895F-BD56-F9FF-937FB5A185B3}"/>
+                <a16:creationId xmlns:a16="http://schemas.microsoft.com/office/drawing/2014/main" id="{1BEE9AF3-805D-810A-EAC6-62F8BAC7B37E}"/>
               </a:ext>
             </a:extLst>
           </p:cNvPr>
@@ -1949,7 +1949,7 @@
           <a:bodyPr/>
           <a:lstStyle/>
           <a:p>
-            <a:fld id="{E954B669-4A9D-4F2D-8ABA-03D866720FE8}" type="datetimeFigureOut">
+            <a:fld id="{E800821E-CF74-4AF9-BE69-AB9D9A93764D}" type="datetimeFigureOut">
               <a:rPr lang="zh-CN" altLang="en-US" smtClean="0"/>
               <a:t>2024/3/10</a:t>
             </a:fld>
@@ -1962,7 +1962,7 @@
           <p:cNvPr id="4" name="页脚占位符 3">
             <a:extLst>
               <a:ext uri="{FF2B5EF4-FFF2-40B4-BE49-F238E27FC236}">
-                <a16:creationId xmlns:a16="http://schemas.microsoft.com/office/drawing/2014/main" id="{3C7F6D04-95EA-7406-E653-47694039EEE9}"/>
+                <a16:creationId xmlns:a16="http://schemas.microsoft.com/office/drawing/2014/main" id="{76BBC95F-8D9E-3A6E-F74F-C95AD57EEB09}"/>
               </a:ext>
             </a:extLst>
           </p:cNvPr>
@@ -1987,7 +1987,7 @@
           <p:cNvPr id="5" name="灯片编号占位符 4">
             <a:extLst>
               <a:ext uri="{FF2B5EF4-FFF2-40B4-BE49-F238E27FC236}">
-                <a16:creationId xmlns:a16="http://schemas.microsoft.com/office/drawing/2014/main" id="{82D2F538-85EB-005C-AB16-3A387036999E}"/>
+                <a16:creationId xmlns:a16="http://schemas.microsoft.com/office/drawing/2014/main" id="{87FCF47C-CFE2-417B-80EE-84476C1AA810}"/>
               </a:ext>
             </a:extLst>
           </p:cNvPr>
@@ -2003,7 +2003,7 @@
           <a:bodyPr/>
           <a:lstStyle/>
           <a:p>
-            <a:fld id="{7C1E3CC3-3B61-4A28-9408-3728DF977544}" type="slidenum">
+            <a:fld id="{05DA1F90-09BF-4C7E-9E4B-F7693109E5BD}" type="slidenum">
               <a:rPr lang="zh-CN" altLang="en-US" smtClean="0"/>
               <a:t>‹#›</a:t>
             </a:fld>
@@ -2014,7 +2014,7 @@
     </p:spTree>
     <p:extLst>
       <p:ext uri="{BB962C8B-B14F-4D97-AF65-F5344CB8AC3E}">
-        <p14:creationId xmlns:p14="http://schemas.microsoft.com/office/powerpoint/2010/main" val="180573199"/>
+        <p14:creationId xmlns:p14="http://schemas.microsoft.com/office/powerpoint/2010/main" val="3101707093"/>
       </p:ext>
     </p:extLst>
   </p:cSld>
@@ -2046,7 +2046,7 @@
           <p:cNvPr id="2" name="日期占位符 1">
             <a:extLst>
               <a:ext uri="{FF2B5EF4-FFF2-40B4-BE49-F238E27FC236}">
-                <a16:creationId xmlns:a16="http://schemas.microsoft.com/office/drawing/2014/main" id="{B0155254-E860-F83D-F5BE-73DDEBC37BD1}"/>
+                <a16:creationId xmlns:a16="http://schemas.microsoft.com/office/drawing/2014/main" id="{194D8166-C1A5-B57D-6814-727466116707}"/>
               </a:ext>
             </a:extLst>
           </p:cNvPr>
@@ -2062,7 +2062,7 @@
           <a:bodyPr/>
           <a:lstStyle/>
           <a:p>
-            <a:fld id="{E954B669-4A9D-4F2D-8ABA-03D866720FE8}" type="datetimeFigureOut">
+            <a:fld id="{E800821E-CF74-4AF9-BE69-AB9D9A93764D}" type="datetimeFigureOut">
               <a:rPr lang="zh-CN" altLang="en-US" smtClean="0"/>
               <a:t>2024/3/10</a:t>
             </a:fld>
@@ -2075,7 +2075,7 @@
           <p:cNvPr id="3" name="页脚占位符 2">
             <a:extLst>
               <a:ext uri="{FF2B5EF4-FFF2-40B4-BE49-F238E27FC236}">
-                <a16:creationId xmlns:a16="http://schemas.microsoft.com/office/drawing/2014/main" id="{542C7B9D-8F52-F9B2-2EB2-F8346FB31974}"/>
+                <a16:creationId xmlns:a16="http://schemas.microsoft.com/office/drawing/2014/main" id="{98D505FC-1993-52FF-BD39-21ED705A2B99}"/>
               </a:ext>
             </a:extLst>
           </p:cNvPr>
@@ -2100,7 +2100,7 @@
           <p:cNvPr id="4" name="灯片编号占位符 3">
             <a:extLst>
               <a:ext uri="{FF2B5EF4-FFF2-40B4-BE49-F238E27FC236}">
-                <a16:creationId xmlns:a16="http://schemas.microsoft.com/office/drawing/2014/main" id="{ABEF8465-B9C5-01FD-EA1A-E3BD5AEDC72B}"/>
+                <a16:creationId xmlns:a16="http://schemas.microsoft.com/office/drawing/2014/main" id="{5097075E-0F5E-1B32-AEC0-CAFECA120BA5}"/>
               </a:ext>
             </a:extLst>
           </p:cNvPr>
@@ -2116,7 +2116,7 @@
           <a:bodyPr/>
           <a:lstStyle/>
           <a:p>
-            <a:fld id="{7C1E3CC3-3B61-4A28-9408-3728DF977544}" type="slidenum">
+            <a:fld id="{05DA1F90-09BF-4C7E-9E4B-F7693109E5BD}" type="slidenum">
               <a:rPr lang="zh-CN" altLang="en-US" smtClean="0"/>
               <a:t>‹#›</a:t>
             </a:fld>
@@ -2127,7 +2127,7 @@
     </p:spTree>
     <p:extLst>
       <p:ext uri="{BB962C8B-B14F-4D97-AF65-F5344CB8AC3E}">
-        <p14:creationId xmlns:p14="http://schemas.microsoft.com/office/powerpoint/2010/main" val="2493413266"/>
+        <p14:creationId xmlns:p14="http://schemas.microsoft.com/office/powerpoint/2010/main" val="1057538165"/>
       </p:ext>
     </p:extLst>
   </p:cSld>
@@ -2159,7 +2159,7 @@
           <p:cNvPr id="2" name="标题 1">
             <a:extLst>
               <a:ext uri="{FF2B5EF4-FFF2-40B4-BE49-F238E27FC236}">
-                <a16:creationId xmlns:a16="http://schemas.microsoft.com/office/drawing/2014/main" id="{E5B9BC5D-B7C9-7C67-4AAC-E79BB152AAFA}"/>
+                <a16:creationId xmlns:a16="http://schemas.microsoft.com/office/drawing/2014/main" id="{1DD7A7A3-5A28-D4CF-04B2-9B8DE21CCDE2}"/>
               </a:ext>
             </a:extLst>
           </p:cNvPr>
@@ -2196,7 +2196,7 @@
           <p:cNvPr id="3" name="内容占位符 2">
             <a:extLst>
               <a:ext uri="{FF2B5EF4-FFF2-40B4-BE49-F238E27FC236}">
-                <a16:creationId xmlns:a16="http://schemas.microsoft.com/office/drawing/2014/main" id="{AA6E4F84-48E6-5935-B377-BA641A1FB7DE}"/>
+                <a16:creationId xmlns:a16="http://schemas.microsoft.com/office/drawing/2014/main" id="{DFD77FEB-7E85-A60D-6E17-8CE8D5A319B1}"/>
               </a:ext>
             </a:extLst>
           </p:cNvPr>
@@ -2286,7 +2286,7 @@
           <p:cNvPr id="4" name="文本占位符 3">
             <a:extLst>
               <a:ext uri="{FF2B5EF4-FFF2-40B4-BE49-F238E27FC236}">
-                <a16:creationId xmlns:a16="http://schemas.microsoft.com/office/drawing/2014/main" id="{B10DF7B9-885E-3381-458F-B9737BBB1136}"/>
+                <a16:creationId xmlns:a16="http://schemas.microsoft.com/office/drawing/2014/main" id="{2C0BFF9A-BD37-9022-7ACE-396070662DF9}"/>
               </a:ext>
             </a:extLst>
           </p:cNvPr>
@@ -2357,7 +2357,7 @@
           <p:cNvPr id="5" name="日期占位符 4">
             <a:extLst>
               <a:ext uri="{FF2B5EF4-FFF2-40B4-BE49-F238E27FC236}">
-                <a16:creationId xmlns:a16="http://schemas.microsoft.com/office/drawing/2014/main" id="{B08D7705-E075-572F-11CF-F940D722792D}"/>
+                <a16:creationId xmlns:a16="http://schemas.microsoft.com/office/drawing/2014/main" id="{DB1B25BD-701C-8F65-17A0-427D6023C585}"/>
               </a:ext>
             </a:extLst>
           </p:cNvPr>
@@ -2373,7 +2373,7 @@
           <a:bodyPr/>
           <a:lstStyle/>
           <a:p>
-            <a:fld id="{E954B669-4A9D-4F2D-8ABA-03D866720FE8}" type="datetimeFigureOut">
+            <a:fld id="{E800821E-CF74-4AF9-BE69-AB9D9A93764D}" type="datetimeFigureOut">
               <a:rPr lang="zh-CN" altLang="en-US" smtClean="0"/>
               <a:t>2024/3/10</a:t>
             </a:fld>
@@ -2386,7 +2386,7 @@
           <p:cNvPr id="6" name="页脚占位符 5">
             <a:extLst>
               <a:ext uri="{FF2B5EF4-FFF2-40B4-BE49-F238E27FC236}">
-                <a16:creationId xmlns:a16="http://schemas.microsoft.com/office/drawing/2014/main" id="{D4EC1E82-BB78-C2CC-6A80-ACF4572BBF9E}"/>
+                <a16:creationId xmlns:a16="http://schemas.microsoft.com/office/drawing/2014/main" id="{C10F92DF-B064-88BB-C235-A968D83104A3}"/>
               </a:ext>
             </a:extLst>
           </p:cNvPr>
@@ -2411,7 +2411,7 @@
           <p:cNvPr id="7" name="灯片编号占位符 6">
             <a:extLst>
               <a:ext uri="{FF2B5EF4-FFF2-40B4-BE49-F238E27FC236}">
-                <a16:creationId xmlns:a16="http://schemas.microsoft.com/office/drawing/2014/main" id="{3D7C4C2C-D96D-D77C-FF7A-DC4B9AA820B0}"/>
+                <a16:creationId xmlns:a16="http://schemas.microsoft.com/office/drawing/2014/main" id="{5CEFC98A-441F-1183-C382-C044D64C1794}"/>
               </a:ext>
             </a:extLst>
           </p:cNvPr>
@@ -2427,7 +2427,7 @@
           <a:bodyPr/>
           <a:lstStyle/>
           <a:p>
-            <a:fld id="{7C1E3CC3-3B61-4A28-9408-3728DF977544}" type="slidenum">
+            <a:fld id="{05DA1F90-09BF-4C7E-9E4B-F7693109E5BD}" type="slidenum">
               <a:rPr lang="zh-CN" altLang="en-US" smtClean="0"/>
               <a:t>‹#›</a:t>
             </a:fld>
@@ -2438,7 +2438,7 @@
     </p:spTree>
     <p:extLst>
       <p:ext uri="{BB962C8B-B14F-4D97-AF65-F5344CB8AC3E}">
-        <p14:creationId xmlns:p14="http://schemas.microsoft.com/office/powerpoint/2010/main" val="3282187749"/>
+        <p14:creationId xmlns:p14="http://schemas.microsoft.com/office/powerpoint/2010/main" val="4238343491"/>
       </p:ext>
     </p:extLst>
   </p:cSld>
@@ -2470,7 +2470,7 @@
           <p:cNvPr id="2" name="标题 1">
             <a:extLst>
               <a:ext uri="{FF2B5EF4-FFF2-40B4-BE49-F238E27FC236}">
-                <a16:creationId xmlns:a16="http://schemas.microsoft.com/office/drawing/2014/main" id="{51D08938-3E76-40E8-6DDC-A682DBA41313}"/>
+                <a16:creationId xmlns:a16="http://schemas.microsoft.com/office/drawing/2014/main" id="{42851FFD-00C2-7611-FBA3-2BFE44F8DB9B}"/>
               </a:ext>
             </a:extLst>
           </p:cNvPr>
@@ -2507,7 +2507,7 @@
           <p:cNvPr id="3" name="图片占位符 2">
             <a:extLst>
               <a:ext uri="{FF2B5EF4-FFF2-40B4-BE49-F238E27FC236}">
-                <a16:creationId xmlns:a16="http://schemas.microsoft.com/office/drawing/2014/main" id="{F58447F9-74CD-9298-6D2D-49154F82BFFA}"/>
+                <a16:creationId xmlns:a16="http://schemas.microsoft.com/office/drawing/2014/main" id="{F1D02CB0-CFCE-FFCA-0545-8C294573CB94}"/>
               </a:ext>
             </a:extLst>
           </p:cNvPr>
@@ -2574,7 +2574,7 @@
           <p:cNvPr id="4" name="文本占位符 3">
             <a:extLst>
               <a:ext uri="{FF2B5EF4-FFF2-40B4-BE49-F238E27FC236}">
-                <a16:creationId xmlns:a16="http://schemas.microsoft.com/office/drawing/2014/main" id="{353BA16C-7189-21F3-4C94-A7677F707B8E}"/>
+                <a16:creationId xmlns:a16="http://schemas.microsoft.com/office/drawing/2014/main" id="{265D85F0-F528-F992-8422-A1474FF6EB53}"/>
               </a:ext>
             </a:extLst>
           </p:cNvPr>
@@ -2645,7 +2645,7 @@
           <p:cNvPr id="5" name="日期占位符 4">
             <a:extLst>
               <a:ext uri="{FF2B5EF4-FFF2-40B4-BE49-F238E27FC236}">
-                <a16:creationId xmlns:a16="http://schemas.microsoft.com/office/drawing/2014/main" id="{FD61192C-513C-F2AB-129E-5FA552452974}"/>
+                <a16:creationId xmlns:a16="http://schemas.microsoft.com/office/drawing/2014/main" id="{00769FBF-34FD-7009-403B-EEB56626641D}"/>
               </a:ext>
             </a:extLst>
           </p:cNvPr>
@@ -2661,7 +2661,7 @@
           <a:bodyPr/>
           <a:lstStyle/>
           <a:p>
-            <a:fld id="{E954B669-4A9D-4F2D-8ABA-03D866720FE8}" type="datetimeFigureOut">
+            <a:fld id="{E800821E-CF74-4AF9-BE69-AB9D9A93764D}" type="datetimeFigureOut">
               <a:rPr lang="zh-CN" altLang="en-US" smtClean="0"/>
               <a:t>2024/3/10</a:t>
             </a:fld>
@@ -2674,7 +2674,7 @@
           <p:cNvPr id="6" name="页脚占位符 5">
             <a:extLst>
               <a:ext uri="{FF2B5EF4-FFF2-40B4-BE49-F238E27FC236}">
-                <a16:creationId xmlns:a16="http://schemas.microsoft.com/office/drawing/2014/main" id="{01C5A91E-C27D-5E96-8299-46BD0A7F1FFA}"/>
+                <a16:creationId xmlns:a16="http://schemas.microsoft.com/office/drawing/2014/main" id="{804B8922-EA00-B420-083B-9555A7816B0F}"/>
               </a:ext>
             </a:extLst>
           </p:cNvPr>
@@ -2699,7 +2699,7 @@
           <p:cNvPr id="7" name="灯片编号占位符 6">
             <a:extLst>
               <a:ext uri="{FF2B5EF4-FFF2-40B4-BE49-F238E27FC236}">
-                <a16:creationId xmlns:a16="http://schemas.microsoft.com/office/drawing/2014/main" id="{5614F903-CFBE-418C-4CBB-D23063DA400B}"/>
+                <a16:creationId xmlns:a16="http://schemas.microsoft.com/office/drawing/2014/main" id="{6125E21D-E522-DAB6-DFA8-EF5FD74CB1DB}"/>
               </a:ext>
             </a:extLst>
           </p:cNvPr>
@@ -2715,7 +2715,7 @@
           <a:bodyPr/>
           <a:lstStyle/>
           <a:p>
-            <a:fld id="{7C1E3CC3-3B61-4A28-9408-3728DF977544}" type="slidenum">
+            <a:fld id="{05DA1F90-09BF-4C7E-9E4B-F7693109E5BD}" type="slidenum">
               <a:rPr lang="zh-CN" altLang="en-US" smtClean="0"/>
               <a:t>‹#›</a:t>
             </a:fld>
@@ -2726,7 +2726,7 @@
     </p:spTree>
     <p:extLst>
       <p:ext uri="{BB962C8B-B14F-4D97-AF65-F5344CB8AC3E}">
-        <p14:creationId xmlns:p14="http://schemas.microsoft.com/office/powerpoint/2010/main" val="2933783853"/>
+        <p14:creationId xmlns:p14="http://schemas.microsoft.com/office/powerpoint/2010/main" val="635139779"/>
       </p:ext>
     </p:extLst>
   </p:cSld>
@@ -2763,7 +2763,7 @@
           <p:cNvPr id="2" name="标题占位符 1">
             <a:extLst>
               <a:ext uri="{FF2B5EF4-FFF2-40B4-BE49-F238E27FC236}">
-                <a16:creationId xmlns:a16="http://schemas.microsoft.com/office/drawing/2014/main" id="{D2105FEB-BFEA-33C5-C07F-70EED2D525F0}"/>
+                <a16:creationId xmlns:a16="http://schemas.microsoft.com/office/drawing/2014/main" id="{722EF27B-360B-F15B-F52C-220220512878}"/>
               </a:ext>
             </a:extLst>
           </p:cNvPr>
@@ -2801,7 +2801,7 @@
           <p:cNvPr id="3" name="文本占位符 2">
             <a:extLst>
               <a:ext uri="{FF2B5EF4-FFF2-40B4-BE49-F238E27FC236}">
-                <a16:creationId xmlns:a16="http://schemas.microsoft.com/office/drawing/2014/main" id="{593D860B-67C3-3672-96AD-9B5C3E0DB949}"/>
+                <a16:creationId xmlns:a16="http://schemas.microsoft.com/office/drawing/2014/main" id="{B41E3EC9-8253-57CC-48FB-FB00B12D07C3}"/>
               </a:ext>
             </a:extLst>
           </p:cNvPr>
@@ -2868,7 +2868,7 @@
           <p:cNvPr id="4" name="日期占位符 3">
             <a:extLst>
               <a:ext uri="{FF2B5EF4-FFF2-40B4-BE49-F238E27FC236}">
-                <a16:creationId xmlns:a16="http://schemas.microsoft.com/office/drawing/2014/main" id="{F2FC86AA-EA65-DDFF-3CC2-23CEECB6B22B}"/>
+                <a16:creationId xmlns:a16="http://schemas.microsoft.com/office/drawing/2014/main" id="{176FCA67-4C37-7279-F20C-F3DFFF03E09A}"/>
               </a:ext>
             </a:extLst>
           </p:cNvPr>
@@ -2902,7 +2902,7 @@
             </a:lvl1pPr>
           </a:lstStyle>
           <a:p>
-            <a:fld id="{E954B669-4A9D-4F2D-8ABA-03D866720FE8}" type="datetimeFigureOut">
+            <a:fld id="{E800821E-CF74-4AF9-BE69-AB9D9A93764D}" type="datetimeFigureOut">
               <a:rPr lang="zh-CN" altLang="en-US" smtClean="0"/>
               <a:t>2024/3/10</a:t>
             </a:fld>
@@ -2915,7 +2915,7 @@
           <p:cNvPr id="5" name="页脚占位符 4">
             <a:extLst>
               <a:ext uri="{FF2B5EF4-FFF2-40B4-BE49-F238E27FC236}">
-                <a16:creationId xmlns:a16="http://schemas.microsoft.com/office/drawing/2014/main" id="{E21BBD81-4A51-3028-F0F7-4835E299BB9F}"/>
+                <a16:creationId xmlns:a16="http://schemas.microsoft.com/office/drawing/2014/main" id="{05BD4462-CE7F-AF9B-C597-211233069417}"/>
               </a:ext>
             </a:extLst>
           </p:cNvPr>
@@ -2958,7 +2958,7 @@
           <p:cNvPr id="6" name="灯片编号占位符 5">
             <a:extLst>
               <a:ext uri="{FF2B5EF4-FFF2-40B4-BE49-F238E27FC236}">
-                <a16:creationId xmlns:a16="http://schemas.microsoft.com/office/drawing/2014/main" id="{690C588D-9BC6-1117-8EA5-3ADB069295FE}"/>
+                <a16:creationId xmlns:a16="http://schemas.microsoft.com/office/drawing/2014/main" id="{FB7AD199-9B59-8A16-B7A1-4D68DE3FE77C}"/>
               </a:ext>
             </a:extLst>
           </p:cNvPr>
@@ -2992,7 +2992,7 @@
             </a:lvl1pPr>
           </a:lstStyle>
           <a:p>
-            <a:fld id="{7C1E3CC3-3B61-4A28-9408-3728DF977544}" type="slidenum">
+            <a:fld id="{05DA1F90-09BF-4C7E-9E4B-F7693109E5BD}" type="slidenum">
               <a:rPr lang="zh-CN" altLang="en-US" smtClean="0"/>
               <a:t>‹#›</a:t>
             </a:fld>
@@ -3003,7 +3003,7 @@
     </p:spTree>
     <p:extLst>
       <p:ext uri="{BB962C8B-B14F-4D97-AF65-F5344CB8AC3E}">
-        <p14:creationId xmlns:p14="http://schemas.microsoft.com/office/powerpoint/2010/main" val="3715916756"/>
+        <p14:creationId xmlns:p14="http://schemas.microsoft.com/office/powerpoint/2010/main" val="3286915651"/>
       </p:ext>
     </p:extLst>
   </p:cSld>
